--- a/G3-Inventory Management System (Omar)/Supporting Files/Sequence Diagaram Omar V2.pptx
+++ b/G3-Inventory Management System (Omar)/Supporting Files/Sequence Diagaram Omar V2.pptx
@@ -5,13 +5,12 @@
     <p:sldMasterId id="2147483648" r:id="rId1"/>
   </p:sldMasterIdLst>
   <p:notesMasterIdLst>
-    <p:notesMasterId r:id="rId6"/>
+    <p:notesMasterId r:id="rId5"/>
   </p:notesMasterIdLst>
   <p:sldIdLst>
     <p:sldId id="256" r:id="rId2"/>
     <p:sldId id="257" r:id="rId3"/>
     <p:sldId id="258" r:id="rId4"/>
-    <p:sldId id="259" r:id="rId5"/>
   </p:sldIdLst>
   <p:sldSz cx="12192000" cy="6858000"/>
   <p:notesSz cx="6858000" cy="9144000"/>
@@ -118,6 +117,27 @@
 </p:presentation>
 </file>
 
+<file path=ppt/changesInfos/changesInfo1.xml><?xml version="1.0" encoding="utf-8"?>
+<pc:chgInfo xmlns:a="http://schemas.openxmlformats.org/drawingml/2006/main" xmlns:r="http://schemas.openxmlformats.org/officeDocument/2006/relationships" xmlns:ac="http://schemas.microsoft.com/office/drawing/2013/main/command" xmlns:pc="http://schemas.microsoft.com/office/powerpoint/2013/main/command">
+  <pc:docChgLst>
+    <pc:chgData name="Omar Takleh" userId="f62ec6c7-63b9-4932-b793-c24c9fc7e51c" providerId="ADAL" clId="{67A84866-9015-48F9-B599-13CA71F2AA57}"/>
+    <pc:docChg chg="delSld">
+      <pc:chgData name="Omar Takleh" userId="f62ec6c7-63b9-4932-b793-c24c9fc7e51c" providerId="ADAL" clId="{67A84866-9015-48F9-B599-13CA71F2AA57}" dt="2025-05-09T21:22:07.381" v="0" actId="47"/>
+      <pc:docMkLst>
+        <pc:docMk/>
+      </pc:docMkLst>
+      <pc:sldChg chg="del">
+        <pc:chgData name="Omar Takleh" userId="f62ec6c7-63b9-4932-b793-c24c9fc7e51c" providerId="ADAL" clId="{67A84866-9015-48F9-B599-13CA71F2AA57}" dt="2025-05-09T21:22:07.381" v="0" actId="47"/>
+        <pc:sldMkLst>
+          <pc:docMk/>
+          <pc:sldMk cId="4157106817" sldId="259"/>
+        </pc:sldMkLst>
+      </pc:sldChg>
+    </pc:docChg>
+  </pc:docChgLst>
+</pc:chgInfo>
+</file>
+
 <file path=ppt/notesMasters/notesMaster1.xml><?xml version="1.0" encoding="utf-8"?>
 <p:notesMaster xmlns:a="http://schemas.openxmlformats.org/drawingml/2006/main" xmlns:r="http://schemas.openxmlformats.org/officeDocument/2006/relationships" xmlns:p="http://schemas.openxmlformats.org/presentationml/2006/main">
   <p:cSld>
@@ -200,7 +220,7 @@
           <a:p>
             <a:fld id="{0835D12A-A67E-4C96-ACD8-A194995388D1}" type="datetimeFigureOut">
               <a:rPr lang="en-GB" smtClean="0"/>
-              <a:t>16/03/2025</a:t>
+              <a:t>09/05/2025</a:t>
             </a:fld>
             <a:endParaRPr lang="en-GB"/>
           </a:p>
@@ -701,7 +721,7 @@
           <a:p>
             <a:fld id="{6A511597-A81A-4DC3-9755-36F87F0B2971}" type="datetimeFigureOut">
               <a:rPr lang="en-GB" smtClean="0"/>
-              <a:t>16/03/2025</a:t>
+              <a:t>09/05/2025</a:t>
             </a:fld>
             <a:endParaRPr lang="en-GB"/>
           </a:p>
@@ -901,7 +921,7 @@
           <a:p>
             <a:fld id="{6A511597-A81A-4DC3-9755-36F87F0B2971}" type="datetimeFigureOut">
               <a:rPr lang="en-GB" smtClean="0"/>
-              <a:t>16/03/2025</a:t>
+              <a:t>09/05/2025</a:t>
             </a:fld>
             <a:endParaRPr lang="en-GB"/>
           </a:p>
@@ -1111,7 +1131,7 @@
           <a:p>
             <a:fld id="{6A511597-A81A-4DC3-9755-36F87F0B2971}" type="datetimeFigureOut">
               <a:rPr lang="en-GB" smtClean="0"/>
-              <a:t>16/03/2025</a:t>
+              <a:t>09/05/2025</a:t>
             </a:fld>
             <a:endParaRPr lang="en-GB"/>
           </a:p>
@@ -1311,7 +1331,7 @@
           <a:p>
             <a:fld id="{6A511597-A81A-4DC3-9755-36F87F0B2971}" type="datetimeFigureOut">
               <a:rPr lang="en-GB" smtClean="0"/>
-              <a:t>16/03/2025</a:t>
+              <a:t>09/05/2025</a:t>
             </a:fld>
             <a:endParaRPr lang="en-GB"/>
           </a:p>
@@ -1587,7 +1607,7 @@
           <a:p>
             <a:fld id="{6A511597-A81A-4DC3-9755-36F87F0B2971}" type="datetimeFigureOut">
               <a:rPr lang="en-GB" smtClean="0"/>
-              <a:t>16/03/2025</a:t>
+              <a:t>09/05/2025</a:t>
             </a:fld>
             <a:endParaRPr lang="en-GB"/>
           </a:p>
@@ -1855,7 +1875,7 @@
           <a:p>
             <a:fld id="{6A511597-A81A-4DC3-9755-36F87F0B2971}" type="datetimeFigureOut">
               <a:rPr lang="en-GB" smtClean="0"/>
-              <a:t>16/03/2025</a:t>
+              <a:t>09/05/2025</a:t>
             </a:fld>
             <a:endParaRPr lang="en-GB"/>
           </a:p>
@@ -2270,7 +2290,7 @@
           <a:p>
             <a:fld id="{6A511597-A81A-4DC3-9755-36F87F0B2971}" type="datetimeFigureOut">
               <a:rPr lang="en-GB" smtClean="0"/>
-              <a:t>16/03/2025</a:t>
+              <a:t>09/05/2025</a:t>
             </a:fld>
             <a:endParaRPr lang="en-GB"/>
           </a:p>
@@ -2412,7 +2432,7 @@
           <a:p>
             <a:fld id="{6A511597-A81A-4DC3-9755-36F87F0B2971}" type="datetimeFigureOut">
               <a:rPr lang="en-GB" smtClean="0"/>
-              <a:t>16/03/2025</a:t>
+              <a:t>09/05/2025</a:t>
             </a:fld>
             <a:endParaRPr lang="en-GB"/>
           </a:p>
@@ -2525,7 +2545,7 @@
           <a:p>
             <a:fld id="{6A511597-A81A-4DC3-9755-36F87F0B2971}" type="datetimeFigureOut">
               <a:rPr lang="en-GB" smtClean="0"/>
-              <a:t>16/03/2025</a:t>
+              <a:t>09/05/2025</a:t>
             </a:fld>
             <a:endParaRPr lang="en-GB"/>
           </a:p>
@@ -2838,7 +2858,7 @@
           <a:p>
             <a:fld id="{6A511597-A81A-4DC3-9755-36F87F0B2971}" type="datetimeFigureOut">
               <a:rPr lang="en-GB" smtClean="0"/>
-              <a:t>16/03/2025</a:t>
+              <a:t>09/05/2025</a:t>
             </a:fld>
             <a:endParaRPr lang="en-GB"/>
           </a:p>
@@ -3127,7 +3147,7 @@
           <a:p>
             <a:fld id="{6A511597-A81A-4DC3-9755-36F87F0B2971}" type="datetimeFigureOut">
               <a:rPr lang="en-GB" smtClean="0"/>
-              <a:t>16/03/2025</a:t>
+              <a:t>09/05/2025</a:t>
             </a:fld>
             <a:endParaRPr lang="en-GB"/>
           </a:p>
@@ -3370,7 +3390,7 @@
           <a:p>
             <a:fld id="{6A511597-A81A-4DC3-9755-36F87F0B2971}" type="datetimeFigureOut">
               <a:rPr lang="en-GB" smtClean="0"/>
-              <a:t>16/03/2025</a:t>
+              <a:t>09/05/2025</a:t>
             </a:fld>
             <a:endParaRPr lang="en-GB"/>
           </a:p>
@@ -11668,787 +11688,6 @@
     <p:extLst>
       <p:ext uri="{BB962C8B-B14F-4D97-AF65-F5344CB8AC3E}">
         <p14:creationId xmlns:p14="http://schemas.microsoft.com/office/powerpoint/2010/main" val="1281197032"/>
-      </p:ext>
-    </p:extLst>
-  </p:cSld>
-  <p:clrMapOvr>
-    <a:masterClrMapping/>
-  </p:clrMapOvr>
-</p:sld>
-</file>
-
-<file path=ppt/slides/slide4.xml><?xml version="1.0" encoding="utf-8"?>
-<p:sld xmlns:a="http://schemas.openxmlformats.org/drawingml/2006/main" xmlns:r="http://schemas.openxmlformats.org/officeDocument/2006/relationships" xmlns:p="http://schemas.openxmlformats.org/presentationml/2006/main">
-  <p:cSld>
-    <p:spTree>
-      <p:nvGrpSpPr>
-        <p:cNvPr id="1" name=""/>
-        <p:cNvGrpSpPr/>
-        <p:nvPr/>
-      </p:nvGrpSpPr>
-      <p:grpSpPr>
-        <a:xfrm>
-          <a:off x="0" y="0"/>
-          <a:ext cx="0" cy="0"/>
-          <a:chOff x="0" y="0"/>
-          <a:chExt cx="0" cy="0"/>
-        </a:xfrm>
-      </p:grpSpPr>
-      <p:sp>
-        <p:nvSpPr>
-          <p:cNvPr id="4" name="Rectangle 3">
-            <a:extLst>
-              <a:ext uri="{FF2B5EF4-FFF2-40B4-BE49-F238E27FC236}">
-                <a16:creationId xmlns:a16="http://schemas.microsoft.com/office/drawing/2014/main" id="{4962AAA3-CE04-A1F2-1949-17F2327616AA}"/>
-              </a:ext>
-            </a:extLst>
-          </p:cNvPr>
-          <p:cNvSpPr/>
-          <p:nvPr/>
-        </p:nvSpPr>
-        <p:spPr>
-          <a:xfrm>
-            <a:off x="5555629" y="3288887"/>
-            <a:ext cx="1336727" cy="364614"/>
-          </a:xfrm>
-          <a:prstGeom prst="rect">
-            <a:avLst/>
-          </a:prstGeom>
-          <a:noFill/>
-          <a:ln>
-            <a:solidFill>
-              <a:schemeClr val="tx1"/>
-            </a:solidFill>
-          </a:ln>
-        </p:spPr>
-        <p:style>
-          <a:lnRef idx="2">
-            <a:schemeClr val="accent1">
-              <a:shade val="50000"/>
-            </a:schemeClr>
-          </a:lnRef>
-          <a:fillRef idx="1">
-            <a:schemeClr val="accent1"/>
-          </a:fillRef>
-          <a:effectRef idx="0">
-            <a:schemeClr val="accent1"/>
-          </a:effectRef>
-          <a:fontRef idx="minor">
-            <a:schemeClr val="lt1"/>
-          </a:fontRef>
-        </p:style>
-        <p:txBody>
-          <a:bodyPr rtlCol="0" anchor="ctr"/>
-          <a:lstStyle/>
-          <a:p>
-            <a:pPr algn="ctr"/>
-            <a:r>
-              <a:rPr lang="en-GB" sz="1350" dirty="0">
-                <a:solidFill>
-                  <a:schemeClr val="tx1"/>
-                </a:solidFill>
-              </a:rPr>
-              <a:t>SubClass2Name</a:t>
-            </a:r>
-          </a:p>
-        </p:txBody>
-      </p:sp>
-      <p:sp>
-        <p:nvSpPr>
-          <p:cNvPr id="5" name="Rectangle 4">
-            <a:extLst>
-              <a:ext uri="{FF2B5EF4-FFF2-40B4-BE49-F238E27FC236}">
-                <a16:creationId xmlns:a16="http://schemas.microsoft.com/office/drawing/2014/main" id="{C434AEE3-53F2-CEE8-0798-9AA79AFBEDFC}"/>
-              </a:ext>
-            </a:extLst>
-          </p:cNvPr>
-          <p:cNvSpPr/>
-          <p:nvPr/>
-        </p:nvSpPr>
-        <p:spPr>
-          <a:xfrm>
-            <a:off x="5555629" y="3653501"/>
-            <a:ext cx="1336727" cy="466928"/>
-          </a:xfrm>
-          <a:prstGeom prst="rect">
-            <a:avLst/>
-          </a:prstGeom>
-          <a:noFill/>
-          <a:ln>
-            <a:solidFill>
-              <a:schemeClr val="tx1"/>
-            </a:solidFill>
-          </a:ln>
-        </p:spPr>
-        <p:style>
-          <a:lnRef idx="2">
-            <a:schemeClr val="accent1">
-              <a:shade val="50000"/>
-            </a:schemeClr>
-          </a:lnRef>
-          <a:fillRef idx="1">
-            <a:schemeClr val="accent1"/>
-          </a:fillRef>
-          <a:effectRef idx="0">
-            <a:schemeClr val="accent1"/>
-          </a:effectRef>
-          <a:fontRef idx="minor">
-            <a:schemeClr val="lt1"/>
-          </a:fontRef>
-        </p:style>
-        <p:txBody>
-          <a:bodyPr rtlCol="0" anchor="t" anchorCtr="0"/>
-          <a:lstStyle/>
-          <a:p>
-            <a:endParaRPr lang="en-GB" sz="1350" dirty="0">
-              <a:solidFill>
-                <a:schemeClr val="tx1"/>
-              </a:solidFill>
-            </a:endParaRPr>
-          </a:p>
-        </p:txBody>
-      </p:sp>
-      <p:sp>
-        <p:nvSpPr>
-          <p:cNvPr id="6" name="Rectangle 5">
-            <a:extLst>
-              <a:ext uri="{FF2B5EF4-FFF2-40B4-BE49-F238E27FC236}">
-                <a16:creationId xmlns:a16="http://schemas.microsoft.com/office/drawing/2014/main" id="{033F24EF-284A-CDBA-AE5B-B2F8DE391DEF}"/>
-              </a:ext>
-            </a:extLst>
-          </p:cNvPr>
-          <p:cNvSpPr/>
-          <p:nvPr/>
-        </p:nvSpPr>
-        <p:spPr>
-          <a:xfrm>
-            <a:off x="5555629" y="4120428"/>
-            <a:ext cx="1336727" cy="1066550"/>
-          </a:xfrm>
-          <a:prstGeom prst="rect">
-            <a:avLst/>
-          </a:prstGeom>
-          <a:noFill/>
-          <a:ln>
-            <a:solidFill>
-              <a:schemeClr val="tx1"/>
-            </a:solidFill>
-          </a:ln>
-        </p:spPr>
-        <p:style>
-          <a:lnRef idx="2">
-            <a:schemeClr val="accent1">
-              <a:shade val="50000"/>
-            </a:schemeClr>
-          </a:lnRef>
-          <a:fillRef idx="1">
-            <a:schemeClr val="accent1"/>
-          </a:fillRef>
-          <a:effectRef idx="0">
-            <a:schemeClr val="accent1"/>
-          </a:effectRef>
-          <a:fontRef idx="minor">
-            <a:schemeClr val="lt1"/>
-          </a:fontRef>
-        </p:style>
-        <p:txBody>
-          <a:bodyPr rtlCol="0" anchor="t" anchorCtr="0"/>
-          <a:lstStyle/>
-          <a:p>
-            <a:r>
-              <a:rPr lang="en-GB" sz="1350" dirty="0">
-                <a:solidFill>
-                  <a:schemeClr val="tx1"/>
-                </a:solidFill>
-              </a:rPr>
-              <a:t>+operation5()</a:t>
-            </a:r>
-          </a:p>
-        </p:txBody>
-      </p:sp>
-      <p:grpSp>
-        <p:nvGrpSpPr>
-          <p:cNvPr id="7" name="Group 6">
-            <a:extLst>
-              <a:ext uri="{FF2B5EF4-FFF2-40B4-BE49-F238E27FC236}">
-                <a16:creationId xmlns:a16="http://schemas.microsoft.com/office/drawing/2014/main" id="{068EAFE6-14DB-8E4A-9488-6CBC5A7D633D}"/>
-              </a:ext>
-            </a:extLst>
-          </p:cNvPr>
-          <p:cNvGrpSpPr/>
-          <p:nvPr/>
-        </p:nvGrpSpPr>
-        <p:grpSpPr>
-          <a:xfrm>
-            <a:off x="4455569" y="1203344"/>
-            <a:ext cx="1511642" cy="1546352"/>
-            <a:chOff x="7196328" y="1858214"/>
-            <a:chExt cx="1782302" cy="2061802"/>
-          </a:xfrm>
-        </p:grpSpPr>
-        <p:sp>
-          <p:nvSpPr>
-            <p:cNvPr id="8" name="Rectangle 7">
-              <a:extLst>
-                <a:ext uri="{FF2B5EF4-FFF2-40B4-BE49-F238E27FC236}">
-                  <a16:creationId xmlns:a16="http://schemas.microsoft.com/office/drawing/2014/main" id="{957FA45F-D980-A1C3-DE44-E29EBB3C9038}"/>
-                </a:ext>
-              </a:extLst>
-            </p:cNvPr>
-            <p:cNvSpPr/>
-            <p:nvPr/>
-          </p:nvSpPr>
-          <p:spPr>
-            <a:xfrm>
-              <a:off x="7196328" y="1858214"/>
-              <a:ext cx="1782302" cy="486152"/>
-            </a:xfrm>
-            <a:prstGeom prst="rect">
-              <a:avLst/>
-            </a:prstGeom>
-            <a:noFill/>
-            <a:ln>
-              <a:solidFill>
-                <a:schemeClr val="tx1"/>
-              </a:solidFill>
-            </a:ln>
-          </p:spPr>
-          <p:style>
-            <a:lnRef idx="2">
-              <a:schemeClr val="accent1">
-                <a:shade val="50000"/>
-              </a:schemeClr>
-            </a:lnRef>
-            <a:fillRef idx="1">
-              <a:schemeClr val="accent1"/>
-            </a:fillRef>
-            <a:effectRef idx="0">
-              <a:schemeClr val="accent1"/>
-            </a:effectRef>
-            <a:fontRef idx="minor">
-              <a:schemeClr val="lt1"/>
-            </a:fontRef>
-          </p:style>
-          <p:txBody>
-            <a:bodyPr rtlCol="0" anchor="ctr"/>
-            <a:lstStyle/>
-            <a:p>
-              <a:pPr algn="ctr"/>
-              <a:r>
-                <a:rPr lang="en-GB" sz="1350" dirty="0" err="1">
-                  <a:solidFill>
-                    <a:schemeClr val="tx1"/>
-                  </a:solidFill>
-                </a:rPr>
-                <a:t>SuperClassName</a:t>
-              </a:r>
-              <a:endParaRPr lang="en-GB" sz="1350" dirty="0">
-                <a:solidFill>
-                  <a:schemeClr val="tx1"/>
-                </a:solidFill>
-              </a:endParaRPr>
-            </a:p>
-          </p:txBody>
-        </p:sp>
-        <p:sp>
-          <p:nvSpPr>
-            <p:cNvPr id="9" name="Rectangle 8">
-              <a:extLst>
-                <a:ext uri="{FF2B5EF4-FFF2-40B4-BE49-F238E27FC236}">
-                  <a16:creationId xmlns:a16="http://schemas.microsoft.com/office/drawing/2014/main" id="{4565611C-6DD0-AC5E-4586-F2ADFC7C563A}"/>
-                </a:ext>
-              </a:extLst>
-            </p:cNvPr>
-            <p:cNvSpPr/>
-            <p:nvPr/>
-          </p:nvSpPr>
-          <p:spPr>
-            <a:xfrm>
-              <a:off x="7196328" y="2344366"/>
-              <a:ext cx="1782302" cy="622570"/>
-            </a:xfrm>
-            <a:prstGeom prst="rect">
-              <a:avLst/>
-            </a:prstGeom>
-            <a:noFill/>
-            <a:ln>
-              <a:solidFill>
-                <a:schemeClr val="tx1"/>
-              </a:solidFill>
-            </a:ln>
-          </p:spPr>
-          <p:style>
-            <a:lnRef idx="2">
-              <a:schemeClr val="accent1">
-                <a:shade val="50000"/>
-              </a:schemeClr>
-            </a:lnRef>
-            <a:fillRef idx="1">
-              <a:schemeClr val="accent1"/>
-            </a:fillRef>
-            <a:effectRef idx="0">
-              <a:schemeClr val="accent1"/>
-            </a:effectRef>
-            <a:fontRef idx="minor">
-              <a:schemeClr val="lt1"/>
-            </a:fontRef>
-          </p:style>
-          <p:txBody>
-            <a:bodyPr rtlCol="0" anchor="t" anchorCtr="0"/>
-            <a:lstStyle/>
-            <a:p>
-              <a:r>
-                <a:rPr lang="en-GB" sz="1350" dirty="0">
-                  <a:solidFill>
-                    <a:schemeClr val="tx1"/>
-                  </a:solidFill>
-                </a:rPr>
-                <a:t>-attribute1 : type</a:t>
-              </a:r>
-            </a:p>
-            <a:p>
-              <a:r>
-                <a:rPr lang="en-GB" sz="1350" dirty="0">
-                  <a:solidFill>
-                    <a:schemeClr val="tx1"/>
-                  </a:solidFill>
-                </a:rPr>
-                <a:t>-attribute2 : type</a:t>
-              </a:r>
-            </a:p>
-          </p:txBody>
-        </p:sp>
-        <p:sp>
-          <p:nvSpPr>
-            <p:cNvPr id="10" name="Rectangle 9">
-              <a:extLst>
-                <a:ext uri="{FF2B5EF4-FFF2-40B4-BE49-F238E27FC236}">
-                  <a16:creationId xmlns:a16="http://schemas.microsoft.com/office/drawing/2014/main" id="{C21EBD7A-7B00-7321-45E6-32EC4D8602F0}"/>
-                </a:ext>
-              </a:extLst>
-            </p:cNvPr>
-            <p:cNvSpPr/>
-            <p:nvPr/>
-          </p:nvSpPr>
-          <p:spPr>
-            <a:xfrm>
-              <a:off x="7196328" y="2966936"/>
-              <a:ext cx="1782302" cy="953080"/>
-            </a:xfrm>
-            <a:prstGeom prst="rect">
-              <a:avLst/>
-            </a:prstGeom>
-            <a:noFill/>
-            <a:ln>
-              <a:solidFill>
-                <a:schemeClr val="tx1"/>
-              </a:solidFill>
-            </a:ln>
-          </p:spPr>
-          <p:style>
-            <a:lnRef idx="2">
-              <a:schemeClr val="accent1">
-                <a:shade val="50000"/>
-              </a:schemeClr>
-            </a:lnRef>
-            <a:fillRef idx="1">
-              <a:schemeClr val="accent1"/>
-            </a:fillRef>
-            <a:effectRef idx="0">
-              <a:schemeClr val="accent1"/>
-            </a:effectRef>
-            <a:fontRef idx="minor">
-              <a:schemeClr val="lt1"/>
-            </a:fontRef>
-          </p:style>
-          <p:txBody>
-            <a:bodyPr rtlCol="0" anchor="t" anchorCtr="0"/>
-            <a:lstStyle/>
-            <a:p>
-              <a:r>
-                <a:rPr lang="en-GB" sz="1350" dirty="0">
-                  <a:solidFill>
-                    <a:schemeClr val="tx1"/>
-                  </a:solidFill>
-                </a:rPr>
-                <a:t>+operation1()</a:t>
-              </a:r>
-            </a:p>
-            <a:p>
-              <a:r>
-                <a:rPr lang="en-GB" sz="1350" dirty="0">
-                  <a:solidFill>
-                    <a:schemeClr val="tx1"/>
-                  </a:solidFill>
-                </a:rPr>
-                <a:t>+operation2()</a:t>
-              </a:r>
-            </a:p>
-            <a:p>
-              <a:r>
-                <a:rPr lang="en-GB" sz="1350" dirty="0">
-                  <a:solidFill>
-                    <a:schemeClr val="tx1"/>
-                  </a:solidFill>
-                </a:rPr>
-                <a:t>+operation3()</a:t>
-              </a:r>
-            </a:p>
-          </p:txBody>
-        </p:sp>
-      </p:grpSp>
-      <p:sp>
-        <p:nvSpPr>
-          <p:cNvPr id="11" name="Rectangle 10">
-            <a:extLst>
-              <a:ext uri="{FF2B5EF4-FFF2-40B4-BE49-F238E27FC236}">
-                <a16:creationId xmlns:a16="http://schemas.microsoft.com/office/drawing/2014/main" id="{A2364758-3407-7675-A825-AA62210EE715}"/>
-              </a:ext>
-            </a:extLst>
-          </p:cNvPr>
-          <p:cNvSpPr/>
-          <p:nvPr/>
-        </p:nvSpPr>
-        <p:spPr>
-          <a:xfrm>
-            <a:off x="3451638" y="3292933"/>
-            <a:ext cx="1341060" cy="364614"/>
-          </a:xfrm>
-          <a:prstGeom prst="rect">
-            <a:avLst/>
-          </a:prstGeom>
-          <a:noFill/>
-          <a:ln>
-            <a:solidFill>
-              <a:schemeClr val="tx1"/>
-            </a:solidFill>
-          </a:ln>
-        </p:spPr>
-        <p:style>
-          <a:lnRef idx="2">
-            <a:schemeClr val="accent1">
-              <a:shade val="50000"/>
-            </a:schemeClr>
-          </a:lnRef>
-          <a:fillRef idx="1">
-            <a:schemeClr val="accent1"/>
-          </a:fillRef>
-          <a:effectRef idx="0">
-            <a:schemeClr val="accent1"/>
-          </a:effectRef>
-          <a:fontRef idx="minor">
-            <a:schemeClr val="lt1"/>
-          </a:fontRef>
-        </p:style>
-        <p:txBody>
-          <a:bodyPr rtlCol="0" anchor="ctr"/>
-          <a:lstStyle/>
-          <a:p>
-            <a:pPr algn="ctr"/>
-            <a:r>
-              <a:rPr lang="en-GB" sz="1350" dirty="0">
-                <a:solidFill>
-                  <a:schemeClr val="tx1"/>
-                </a:solidFill>
-              </a:rPr>
-              <a:t>SubClass1Name</a:t>
-            </a:r>
-          </a:p>
-        </p:txBody>
-      </p:sp>
-      <p:sp>
-        <p:nvSpPr>
-          <p:cNvPr id="12" name="Rectangle 11">
-            <a:extLst>
-              <a:ext uri="{FF2B5EF4-FFF2-40B4-BE49-F238E27FC236}">
-                <a16:creationId xmlns:a16="http://schemas.microsoft.com/office/drawing/2014/main" id="{CF29991B-B98F-0A3E-3137-8256A27DBA18}"/>
-              </a:ext>
-            </a:extLst>
-          </p:cNvPr>
-          <p:cNvSpPr/>
-          <p:nvPr/>
-        </p:nvSpPr>
-        <p:spPr>
-          <a:xfrm>
-            <a:off x="3451404" y="3657782"/>
-            <a:ext cx="1341294" cy="672512"/>
-          </a:xfrm>
-          <a:prstGeom prst="rect">
-            <a:avLst/>
-          </a:prstGeom>
-          <a:noFill/>
-          <a:ln>
-            <a:solidFill>
-              <a:schemeClr val="tx1"/>
-            </a:solidFill>
-          </a:ln>
-        </p:spPr>
-        <p:style>
-          <a:lnRef idx="2">
-            <a:schemeClr val="accent1">
-              <a:shade val="50000"/>
-            </a:schemeClr>
-          </a:lnRef>
-          <a:fillRef idx="1">
-            <a:schemeClr val="accent1"/>
-          </a:fillRef>
-          <a:effectRef idx="0">
-            <a:schemeClr val="accent1"/>
-          </a:effectRef>
-          <a:fontRef idx="minor">
-            <a:schemeClr val="lt1"/>
-          </a:fontRef>
-        </p:style>
-        <p:txBody>
-          <a:bodyPr rtlCol="0" anchor="t" anchorCtr="0"/>
-          <a:lstStyle/>
-          <a:p>
-            <a:r>
-              <a:rPr lang="en-GB" sz="1350" dirty="0">
-                <a:solidFill>
-                  <a:schemeClr val="tx1"/>
-                </a:solidFill>
-              </a:rPr>
-              <a:t>-attribute3 : type</a:t>
-            </a:r>
-          </a:p>
-          <a:p>
-            <a:endParaRPr lang="en-GB" sz="1350" dirty="0">
-              <a:solidFill>
-                <a:schemeClr val="tx1"/>
-              </a:solidFill>
-            </a:endParaRPr>
-          </a:p>
-        </p:txBody>
-      </p:sp>
-      <p:sp>
-        <p:nvSpPr>
-          <p:cNvPr id="13" name="Rectangle 12">
-            <a:extLst>
-              <a:ext uri="{FF2B5EF4-FFF2-40B4-BE49-F238E27FC236}">
-                <a16:creationId xmlns:a16="http://schemas.microsoft.com/office/drawing/2014/main" id="{A5978B15-3DD7-B049-CBB9-D52BF0F3F288}"/>
-              </a:ext>
-            </a:extLst>
-          </p:cNvPr>
-          <p:cNvSpPr/>
-          <p:nvPr/>
-        </p:nvSpPr>
-        <p:spPr>
-          <a:xfrm>
-            <a:off x="3451638" y="4324852"/>
-            <a:ext cx="1341060" cy="862126"/>
-          </a:xfrm>
-          <a:prstGeom prst="rect">
-            <a:avLst/>
-          </a:prstGeom>
-          <a:noFill/>
-          <a:ln>
-            <a:solidFill>
-              <a:schemeClr val="tx1"/>
-            </a:solidFill>
-          </a:ln>
-        </p:spPr>
-        <p:style>
-          <a:lnRef idx="2">
-            <a:schemeClr val="accent1">
-              <a:shade val="50000"/>
-            </a:schemeClr>
-          </a:lnRef>
-          <a:fillRef idx="1">
-            <a:schemeClr val="accent1"/>
-          </a:fillRef>
-          <a:effectRef idx="0">
-            <a:schemeClr val="accent1"/>
-          </a:effectRef>
-          <a:fontRef idx="minor">
-            <a:schemeClr val="lt1"/>
-          </a:fontRef>
-        </p:style>
-        <p:txBody>
-          <a:bodyPr rtlCol="0" anchor="t" anchorCtr="0"/>
-          <a:lstStyle/>
-          <a:p>
-            <a:r>
-              <a:rPr lang="en-GB" sz="1350" dirty="0">
-                <a:solidFill>
-                  <a:schemeClr val="tx1"/>
-                </a:solidFill>
-              </a:rPr>
-              <a:t>+operation4()</a:t>
-            </a:r>
-          </a:p>
-        </p:txBody>
-      </p:sp>
-      <p:cxnSp>
-        <p:nvCxnSpPr>
-          <p:cNvPr id="14" name="Straight Connector 13">
-            <a:extLst>
-              <a:ext uri="{FF2B5EF4-FFF2-40B4-BE49-F238E27FC236}">
-                <a16:creationId xmlns:a16="http://schemas.microsoft.com/office/drawing/2014/main" id="{2C87EC75-55DF-B4E5-DEC4-D1DEE07E6122}"/>
-              </a:ext>
-            </a:extLst>
-          </p:cNvPr>
-          <p:cNvCxnSpPr/>
-          <p:nvPr/>
-        </p:nvCxnSpPr>
-        <p:spPr>
-          <a:xfrm>
-            <a:off x="4062365" y="3053127"/>
-            <a:ext cx="2128652" cy="0"/>
-          </a:xfrm>
-          <a:prstGeom prst="line">
-            <a:avLst/>
-          </a:prstGeom>
-          <a:ln>
-            <a:solidFill>
-              <a:schemeClr val="tx1"/>
-            </a:solidFill>
-          </a:ln>
-        </p:spPr>
-        <p:style>
-          <a:lnRef idx="1">
-            <a:schemeClr val="accent1"/>
-          </a:lnRef>
-          <a:fillRef idx="0">
-            <a:schemeClr val="accent1"/>
-          </a:fillRef>
-          <a:effectRef idx="0">
-            <a:schemeClr val="accent1"/>
-          </a:effectRef>
-          <a:fontRef idx="minor">
-            <a:schemeClr val="tx1"/>
-          </a:fontRef>
-        </p:style>
-      </p:cxnSp>
-      <p:cxnSp>
-        <p:nvCxnSpPr>
-          <p:cNvPr id="15" name="Straight Connector 14">
-            <a:extLst>
-              <a:ext uri="{FF2B5EF4-FFF2-40B4-BE49-F238E27FC236}">
-                <a16:creationId xmlns:a16="http://schemas.microsoft.com/office/drawing/2014/main" id="{942B96B5-2D6F-1F40-41CD-E94B09748AB3}"/>
-              </a:ext>
-            </a:extLst>
-          </p:cNvPr>
-          <p:cNvCxnSpPr/>
-          <p:nvPr/>
-        </p:nvCxnSpPr>
-        <p:spPr>
-          <a:xfrm>
-            <a:off x="4053458" y="3053126"/>
-            <a:ext cx="0" cy="240476"/>
-          </a:xfrm>
-          <a:prstGeom prst="line">
-            <a:avLst/>
-          </a:prstGeom>
-          <a:ln>
-            <a:solidFill>
-              <a:schemeClr val="tx1"/>
-            </a:solidFill>
-          </a:ln>
-        </p:spPr>
-        <p:style>
-          <a:lnRef idx="1">
-            <a:schemeClr val="accent1"/>
-          </a:lnRef>
-          <a:fillRef idx="0">
-            <a:schemeClr val="accent1"/>
-          </a:fillRef>
-          <a:effectRef idx="0">
-            <a:schemeClr val="accent1"/>
-          </a:effectRef>
-          <a:fontRef idx="minor">
-            <a:schemeClr val="tx1"/>
-          </a:fontRef>
-        </p:style>
-      </p:cxnSp>
-      <p:cxnSp>
-        <p:nvCxnSpPr>
-          <p:cNvPr id="16" name="Straight Connector 15">
-            <a:extLst>
-              <a:ext uri="{FF2B5EF4-FFF2-40B4-BE49-F238E27FC236}">
-                <a16:creationId xmlns:a16="http://schemas.microsoft.com/office/drawing/2014/main" id="{8243D8FB-EFA4-0D9E-0D8C-4DFCEA87B881}"/>
-              </a:ext>
-            </a:extLst>
-          </p:cNvPr>
-          <p:cNvCxnSpPr/>
-          <p:nvPr/>
-        </p:nvCxnSpPr>
-        <p:spPr>
-          <a:xfrm>
-            <a:off x="6198438" y="3051642"/>
-            <a:ext cx="0" cy="240476"/>
-          </a:xfrm>
-          <a:prstGeom prst="line">
-            <a:avLst/>
-          </a:prstGeom>
-          <a:ln>
-            <a:solidFill>
-              <a:schemeClr val="tx1"/>
-            </a:solidFill>
-          </a:ln>
-        </p:spPr>
-        <p:style>
-          <a:lnRef idx="1">
-            <a:schemeClr val="accent1"/>
-          </a:lnRef>
-          <a:fillRef idx="0">
-            <a:schemeClr val="accent1"/>
-          </a:fillRef>
-          <a:effectRef idx="0">
-            <a:schemeClr val="accent1"/>
-          </a:effectRef>
-          <a:fontRef idx="minor">
-            <a:schemeClr val="tx1"/>
-          </a:fontRef>
-        </p:style>
-      </p:cxnSp>
-      <p:cxnSp>
-        <p:nvCxnSpPr>
-          <p:cNvPr id="17" name="Straight Connector 16">
-            <a:extLst>
-              <a:ext uri="{FF2B5EF4-FFF2-40B4-BE49-F238E27FC236}">
-                <a16:creationId xmlns:a16="http://schemas.microsoft.com/office/drawing/2014/main" id="{9D34579E-F608-9E99-1A49-F9DC8DB2B9D2}"/>
-              </a:ext>
-            </a:extLst>
-          </p:cNvPr>
-          <p:cNvCxnSpPr/>
-          <p:nvPr/>
-        </p:nvCxnSpPr>
-        <p:spPr>
-          <a:xfrm flipH="1">
-            <a:off x="5123932" y="2742213"/>
-            <a:ext cx="4031" cy="310914"/>
-          </a:xfrm>
-          <a:prstGeom prst="line">
-            <a:avLst/>
-          </a:prstGeom>
-          <a:ln>
-            <a:solidFill>
-              <a:schemeClr val="tx1"/>
-            </a:solidFill>
-            <a:headEnd type="triangle" w="lg" len="lg"/>
-            <a:tailEnd type="none"/>
-          </a:ln>
-        </p:spPr>
-        <p:style>
-          <a:lnRef idx="1">
-            <a:schemeClr val="accent1"/>
-          </a:lnRef>
-          <a:fillRef idx="0">
-            <a:schemeClr val="accent1"/>
-          </a:fillRef>
-          <a:effectRef idx="0">
-            <a:schemeClr val="accent1"/>
-          </a:effectRef>
-          <a:fontRef idx="minor">
-            <a:schemeClr val="tx1"/>
-          </a:fontRef>
-        </p:style>
-      </p:cxnSp>
-    </p:spTree>
-    <p:extLst>
-      <p:ext uri="{BB962C8B-B14F-4D97-AF65-F5344CB8AC3E}">
-        <p14:creationId xmlns:p14="http://schemas.microsoft.com/office/powerpoint/2010/main" val="4157106817"/>
       </p:ext>
     </p:extLst>
   </p:cSld>
